--- a/es_template_en.pptx
+++ b/es_template_en.pptx
@@ -302,7 +302,7 @@
               <a:pPr>
                 <a:defRPr/>
               </a:pPr>
-              <a:t>4. April 2024</a:t>
+              <a:t>17. September 2024</a:t>
             </a:fld>
             <a:endParaRPr lang="de-DE"/>
           </a:p>
@@ -931,7 +931,7 @@
               <a:pPr>
                 <a:defRPr/>
               </a:pPr>
-              <a:t>4. April 2024</a:t>
+              <a:t>17. September 2024</a:t>
             </a:fld>
             <a:endParaRPr lang="de-DE"/>
           </a:p>
@@ -1878,7 +1878,7 @@
               <a:pPr>
                 <a:defRPr/>
               </a:pPr>
-              <a:t>4. April 2024</a:t>
+              <a:t>17. September 2024</a:t>
             </a:fld>
             <a:endParaRPr lang="de-DE"/>
           </a:p>
@@ -2401,7 +2401,7 @@
         <p:spPr>
           <a:xfrm>
             <a:off x="84138" y="4803775"/>
-            <a:ext cx="7569200" cy="173038"/>
+            <a:ext cx="8304286" cy="173038"/>
           </a:xfrm>
           <a:prstGeom prst="rect">
             <a:avLst/>
@@ -2535,7 +2535,7 @@
               <a:rPr lang="en-US" altLang="de-DE" sz="1000" smtClean="0">
                 <a:cs typeface="Tahoma" panose="020B0604030504040204" pitchFamily="34" charset="0"/>
               </a:rPr>
-              <a:t>April 4, 2024</a:t>
+              <a:t>September 17, 2024</a:t>
             </a:fld>
             <a:r>
               <a:rPr lang="de-DE" altLang="de-DE" sz="1000" dirty="0">
@@ -4973,7 +4973,7 @@
         <p:spPr>
           <a:xfrm>
             <a:off x="84138" y="4803775"/>
-            <a:ext cx="7569200" cy="173038"/>
+            <a:ext cx="8160270" cy="173038"/>
           </a:xfrm>
           <a:prstGeom prst="rect">
             <a:avLst/>
@@ -5107,7 +5107,7 @@
               <a:rPr lang="en-US" altLang="de-DE" sz="1000" smtClean="0">
                 <a:cs typeface="Tahoma" panose="020B0604030504040204" pitchFamily="34" charset="0"/>
               </a:rPr>
-              <a:t>April 4, 2024</a:t>
+              <a:t>September 17, 2024</a:t>
             </a:fld>
             <a:r>
               <a:rPr lang="de-DE" altLang="de-DE" sz="1000" dirty="0">
